--- a/Documents/pres_files/TTE_Slide.pptx
+++ b/Documents/pres_files/TTE_Slide.pptx
@@ -125,12 +125,12 @@
   <pc:docChgLst>
     <pc:chgData name="Metwaly, F.J. (Florian)" userId="1fe56365-9c5e-4e55-b179-fb353074b78c" providerId="ADAL" clId="{59304958-B517-4A3A-A594-5883F34547CC}"/>
     <pc:docChg chg="undo custSel addSld modSld">
-      <pc:chgData name="Metwaly, F.J. (Florian)" userId="1fe56365-9c5e-4e55-b179-fb353074b78c" providerId="ADAL" clId="{59304958-B517-4A3A-A594-5883F34547CC}" dt="2024-12-10T08:03:10.107" v="293" actId="14100"/>
+      <pc:chgData name="Metwaly, F.J. (Florian)" userId="1fe56365-9c5e-4e55-b179-fb353074b78c" providerId="ADAL" clId="{59304958-B517-4A3A-A594-5883F34547CC}" dt="2024-12-10T20:29:56.248" v="295" actId="20577"/>
       <pc:docMkLst>
         <pc:docMk/>
       </pc:docMkLst>
       <pc:sldChg chg="addSp delSp modSp new mod modClrScheme chgLayout">
-        <pc:chgData name="Metwaly, F.J. (Florian)" userId="1fe56365-9c5e-4e55-b179-fb353074b78c" providerId="ADAL" clId="{59304958-B517-4A3A-A594-5883F34547CC}" dt="2024-12-10T08:03:10.107" v="293" actId="14100"/>
+        <pc:chgData name="Metwaly, F.J. (Florian)" userId="1fe56365-9c5e-4e55-b179-fb353074b78c" providerId="ADAL" clId="{59304958-B517-4A3A-A594-5883F34547CC}" dt="2024-12-10T20:29:56.248" v="295" actId="20577"/>
         <pc:sldMkLst>
           <pc:docMk/>
           <pc:sldMk cId="4141543438" sldId="256"/>
@@ -144,7 +144,7 @@
           </ac:spMkLst>
         </pc:spChg>
         <pc:spChg chg="add mod">
-          <ac:chgData name="Metwaly, F.J. (Florian)" userId="1fe56365-9c5e-4e55-b179-fb353074b78c" providerId="ADAL" clId="{59304958-B517-4A3A-A594-5883F34547CC}" dt="2024-12-10T08:02:32.066" v="290" actId="1076"/>
+          <ac:chgData name="Metwaly, F.J. (Florian)" userId="1fe56365-9c5e-4e55-b179-fb353074b78c" providerId="ADAL" clId="{59304958-B517-4A3A-A594-5883F34547CC}" dt="2024-12-10T20:29:56.248" v="295" actId="20577"/>
           <ac:spMkLst>
             <pc:docMk/>
             <pc:sldMk cId="4141543438" sldId="256"/>
@@ -5321,10 +5321,26 @@
           <a:lstStyle/>
           <a:p>
             <a:r>
-              <a:rPr lang="en-US" sz="1600" dirty="0"/>
-              <a:t>Sequential Target Trial Emulation</a:t>
-            </a:r>
-            <a:endParaRPr lang="nl-NL" sz="1600" dirty="0"/>
+              <a:rPr lang="en-US" sz="1600">
+                <a:solidFill>
+                  <a:schemeClr val="bg1"/>
+                </a:solidFill>
+              </a:rPr>
+              <a:t>sequential </a:t>
+            </a:r>
+            <a:r>
+              <a:rPr lang="en-US" sz="1600" dirty="0">
+                <a:solidFill>
+                  <a:schemeClr val="bg1"/>
+                </a:solidFill>
+              </a:rPr>
+              <a:t>Target Trial Emulation</a:t>
+            </a:r>
+            <a:endParaRPr lang="nl-NL" sz="1600" dirty="0">
+              <a:solidFill>
+                <a:schemeClr val="bg1"/>
+              </a:solidFill>
+            </a:endParaRPr>
           </a:p>
         </p:txBody>
       </p:sp>
